--- a/FTC/2018/Advanced FTC Code.pptx
+++ b/FTC/2018/Advanced FTC Code.pptx
@@ -5,7 +5,7 @@
     <p:sldMasterId id="2147483648" r:id="rId1"/>
   </p:sldMasterIdLst>
   <p:notesMasterIdLst>
-    <p:notesMasterId r:id="rId21"/>
+    <p:notesMasterId r:id="rId29"/>
   </p:notesMasterIdLst>
   <p:sldIdLst>
     <p:sldId id="256" r:id="rId2"/>
@@ -27,6 +27,14 @@
     <p:sldId id="281" r:id="rId18"/>
     <p:sldId id="282" r:id="rId19"/>
     <p:sldId id="283" r:id="rId20"/>
+    <p:sldId id="284" r:id="rId21"/>
+    <p:sldId id="285" r:id="rId22"/>
+    <p:sldId id="286" r:id="rId23"/>
+    <p:sldId id="287" r:id="rId24"/>
+    <p:sldId id="288" r:id="rId25"/>
+    <p:sldId id="291" r:id="rId26"/>
+    <p:sldId id="292" r:id="rId27"/>
+    <p:sldId id="290" r:id="rId28"/>
   </p:sldIdLst>
   <p:sldSz cx="12192000" cy="6858000"/>
   <p:notesSz cx="6858000" cy="9144000"/>
@@ -215,7 +223,7 @@
           <a:p>
             <a:fld id="{911961E1-36B2-4545-A428-4604CE04AE58}" type="datetimeFigureOut">
               <a:rPr lang="en-US" smtClean="0"/>
-              <a:t>9/5/2018</a:t>
+              <a:t>9/7/2018</a:t>
             </a:fld>
             <a:endParaRPr lang="en-US"/>
           </a:p>
@@ -817,7 +825,7 @@
           <a:p>
             <a:fld id="{70143B14-6FD6-4C3F-B41D-D1B3BBC4FA41}" type="datetime1">
               <a:rPr lang="en-US" smtClean="0"/>
-              <a:t>9/5/2018</a:t>
+              <a:t>9/7/2018</a:t>
             </a:fld>
             <a:endParaRPr lang="en-US" dirty="0"/>
           </a:p>
@@ -1905,7 +1913,7 @@
           <a:p>
             <a:fld id="{2B3D5EFB-A2C5-49D5-83DC-90D30FB6350F}" type="datetime1">
               <a:rPr lang="en-US" smtClean="0"/>
-              <a:t>9/5/2018</a:t>
+              <a:t>9/7/2018</a:t>
             </a:fld>
             <a:endParaRPr lang="en-US" dirty="0"/>
           </a:p>
@@ -2885,7 +2893,7 @@
           <a:p>
             <a:fld id="{E58E18E1-6780-40CE-8A5F-0004DB02BD3D}" type="datetime1">
               <a:rPr lang="en-US" smtClean="0"/>
-              <a:t>9/5/2018</a:t>
+              <a:t>9/7/2018</a:t>
             </a:fld>
             <a:endParaRPr lang="en-US" dirty="0"/>
           </a:p>
@@ -4019,7 +4027,7 @@
           <a:p>
             <a:fld id="{AF6E6664-D1E6-4911-8A5C-DFA0FDC32B64}" type="datetime1">
               <a:rPr lang="en-US" smtClean="0"/>
-              <a:t>9/5/2018</a:t>
+              <a:t>9/7/2018</a:t>
             </a:fld>
             <a:endParaRPr lang="en-US" dirty="0"/>
           </a:p>
@@ -5052,7 +5060,7 @@
           <a:p>
             <a:fld id="{4938A52B-7BE6-46A0-AD7C-CEC9A349768E}" type="datetime1">
               <a:rPr lang="en-US" smtClean="0"/>
-              <a:t>9/5/2018</a:t>
+              <a:t>9/7/2018</a:t>
             </a:fld>
             <a:endParaRPr lang="en-US" dirty="0"/>
           </a:p>
@@ -5712,7 +5720,7 @@
           <a:p>
             <a:fld id="{BE4C9737-CE51-4F51-BABA-CAF573690BBB}" type="datetime1">
               <a:rPr lang="en-US" smtClean="0"/>
-              <a:t>9/5/2018</a:t>
+              <a:t>9/7/2018</a:t>
             </a:fld>
             <a:endParaRPr lang="en-US" dirty="0"/>
           </a:p>
@@ -6573,7 +6581,7 @@
           <a:p>
             <a:fld id="{A3749039-AD51-429C-B706-FC67C689CF3E}" type="datetime1">
               <a:rPr lang="en-US" smtClean="0"/>
-              <a:t>9/5/2018</a:t>
+              <a:t>9/7/2018</a:t>
             </a:fld>
             <a:endParaRPr lang="en-US" dirty="0"/>
           </a:p>
@@ -6763,7 +6771,7 @@
           <a:p>
             <a:fld id="{0A214581-BD7F-4B76-99F4-F78CC7335177}" type="datetime1">
               <a:rPr lang="en-US" smtClean="0"/>
-              <a:t>9/5/2018</a:t>
+              <a:t>9/7/2018</a:t>
             </a:fld>
             <a:endParaRPr lang="en-US" dirty="0"/>
           </a:p>
@@ -7735,7 +7743,7 @@
           <a:p>
             <a:fld id="{BA2D0570-9893-41B0-A739-7CC187D21629}" type="datetime1">
               <a:rPr lang="en-US" smtClean="0"/>
-              <a:t>9/5/2018</a:t>
+              <a:t>9/7/2018</a:t>
             </a:fld>
             <a:endParaRPr lang="en-US" dirty="0"/>
           </a:p>
@@ -7946,7 +7954,7 @@
           <a:p>
             <a:fld id="{092AE90E-617A-4487-96E2-AC54A68C24CC}" type="datetime1">
               <a:rPr lang="en-US" smtClean="0"/>
-              <a:t>9/5/2018</a:t>
+              <a:t>9/7/2018</a:t>
             </a:fld>
             <a:endParaRPr lang="en-US" dirty="0"/>
           </a:p>
@@ -8980,7 +8988,7 @@
           <a:p>
             <a:fld id="{AD59F5E3-52CF-40B3-971A-0177BE517F27}" type="datetime1">
               <a:rPr lang="en-US" smtClean="0"/>
-              <a:t>9/5/2018</a:t>
+              <a:t>9/7/2018</a:t>
             </a:fld>
             <a:endParaRPr lang="en-US" dirty="0"/>
           </a:p>
@@ -9252,7 +9260,7 @@
           <a:p>
             <a:fld id="{8E68928C-558B-4A91-AFD5-2440D4F890D6}" type="datetime1">
               <a:rPr lang="en-US" smtClean="0"/>
-              <a:t>9/5/2018</a:t>
+              <a:t>9/7/2018</a:t>
             </a:fld>
             <a:endParaRPr lang="en-US" dirty="0"/>
           </a:p>
@@ -9662,7 +9670,7 @@
           <a:p>
             <a:fld id="{ADB96B63-DB89-4BB8-A2A3-39E54310E666}" type="datetime1">
               <a:rPr lang="en-US" smtClean="0"/>
-              <a:t>9/5/2018</a:t>
+              <a:t>9/7/2018</a:t>
             </a:fld>
             <a:endParaRPr lang="en-US" dirty="0"/>
           </a:p>
@@ -9789,7 +9797,7 @@
           <a:p>
             <a:fld id="{B58A7B8E-B30A-437B-AE1A-A807AC72042F}" type="datetime1">
               <a:rPr lang="en-US" smtClean="0"/>
-              <a:t>9/5/2018</a:t>
+              <a:t>9/7/2018</a:t>
             </a:fld>
             <a:endParaRPr lang="en-US" dirty="0"/>
           </a:p>
@@ -9884,7 +9892,7 @@
           <a:p>
             <a:fld id="{4C2DFFE7-1D42-49A0-9E58-D6359F32F7C4}" type="datetime1">
               <a:rPr lang="en-US" smtClean="0"/>
-              <a:t>9/5/2018</a:t>
+              <a:t>9/7/2018</a:t>
             </a:fld>
             <a:endParaRPr lang="en-US" dirty="0"/>
           </a:p>
@@ -10965,7 +10973,7 @@
           <a:p>
             <a:fld id="{CF1F63B9-BD7C-4B4F-9081-EB50A19ABBEB}" type="datetime1">
               <a:rPr lang="en-US" smtClean="0"/>
-              <a:t>9/5/2018</a:t>
+              <a:t>9/7/2018</a:t>
             </a:fld>
             <a:endParaRPr lang="en-US" dirty="0"/>
           </a:p>
@@ -12073,7 +12081,7 @@
           <a:p>
             <a:fld id="{F66E1E34-30AA-4002-8333-378BFCACDCDA}" type="datetime1">
               <a:rPr lang="en-US" smtClean="0"/>
-              <a:t>9/5/2018</a:t>
+              <a:t>9/7/2018</a:t>
             </a:fld>
             <a:endParaRPr lang="en-US" dirty="0"/>
           </a:p>
@@ -13070,7 +13078,7 @@
           <a:p>
             <a:fld id="{79356669-9559-4BB2-8014-6E405E98D5F1}" type="datetime1">
               <a:rPr lang="en-US" smtClean="0"/>
-              <a:t>9/5/2018</a:t>
+              <a:t>9/7/2018</a:t>
             </a:fld>
             <a:endParaRPr lang="en-US" dirty="0"/>
           </a:p>
@@ -15624,6 +15632,12 @@
               <a:t>She loves fixing and making it better.</a:t>
             </a:r>
           </a:p>
+          <a:p>
+            <a:r>
+              <a:rPr lang="en-US" sz="3000" dirty="0"/>
+              <a:t>It may take a lot of work to get it running the way you want.</a:t>
+            </a:r>
+          </a:p>
         </p:txBody>
       </p:sp>
       <p:sp>
@@ -15894,7 +15908,7 @@
         <p:spPr/>
         <p:txBody>
           <a:bodyPr>
-            <a:normAutofit/>
+            <a:normAutofit fontScale="92500" lnSpcReduction="10000"/>
           </a:bodyPr>
           <a:lstStyle/>
           <a:p>
@@ -15908,6 +15922,23 @@
               <a:rPr lang="en-US" sz="3000" dirty="0"/>
               <a:t>I’ve taken the C++ and wrote a tool in Visual Studio to take in a path.csv file an put out a path in java.</a:t>
             </a:r>
+          </a:p>
+          <a:p>
+            <a:r>
+              <a:rPr lang="en-US" sz="3000" dirty="0"/>
+              <a:t>The units are what ever you say they are.  Feet, Inches, Centimeters, Furlongs, Parsec, or Meters.</a:t>
+            </a:r>
+          </a:p>
+          <a:p>
+            <a:r>
+              <a:rPr lang="en-US" sz="3000" dirty="0"/>
+              <a:t>Just be constant with </a:t>
+            </a:r>
+            <a:r>
+              <a:rPr lang="en-US" sz="3000"/>
+              <a:t>the units.</a:t>
+            </a:r>
+            <a:endParaRPr lang="en-US" sz="3000" dirty="0"/>
           </a:p>
         </p:txBody>
       </p:sp>
@@ -16109,6 +16140,1496 @@
     <p:extLst>
       <p:ext uri="{BB962C8B-B14F-4D97-AF65-F5344CB8AC3E}">
         <p14:creationId xmlns:p14="http://schemas.microsoft.com/office/powerpoint/2010/main" val="3369015981"/>
+      </p:ext>
+    </p:extLst>
+  </p:cSld>
+  <p:clrMapOvr>
+    <a:masterClrMapping/>
+  </p:clrMapOvr>
+</p:sld>
+</file>
+
+<file path=ppt/slides/slide20.xml><?xml version="1.0" encoding="utf-8"?>
+<p:sld xmlns:a="http://schemas.openxmlformats.org/drawingml/2006/main" xmlns:r="http://schemas.openxmlformats.org/officeDocument/2006/relationships" xmlns:p="http://schemas.openxmlformats.org/presentationml/2006/main">
+  <p:cSld>
+    <p:spTree>
+      <p:nvGrpSpPr>
+        <p:cNvPr id="1" name=""/>
+        <p:cNvGrpSpPr/>
+        <p:nvPr/>
+      </p:nvGrpSpPr>
+      <p:grpSpPr>
+        <a:xfrm>
+          <a:off x="0" y="0"/>
+          <a:ext cx="0" cy="0"/>
+          <a:chOff x="0" y="0"/>
+          <a:chExt cx="0" cy="0"/>
+        </a:xfrm>
+      </p:grpSpPr>
+      <p:sp>
+        <p:nvSpPr>
+          <p:cNvPr id="2" name="Title 1">
+            <a:extLst>
+              <a:ext uri="{FF2B5EF4-FFF2-40B4-BE49-F238E27FC236}">
+                <a16:creationId xmlns:a16="http://schemas.microsoft.com/office/drawing/2014/main" id="{CC4A3FAA-0E02-4277-9A18-5E14BC20FA27}"/>
+              </a:ext>
+            </a:extLst>
+          </p:cNvPr>
+          <p:cNvSpPr>
+            <a:spLocks noGrp="1"/>
+          </p:cNvSpPr>
+          <p:nvPr>
+            <p:ph type="title"/>
+          </p:nvPr>
+        </p:nvSpPr>
+        <p:spPr/>
+        <p:txBody>
+          <a:bodyPr/>
+          <a:lstStyle/>
+          <a:p>
+            <a:r>
+              <a:rPr lang="en-US" dirty="0" err="1"/>
+              <a:t>Jaci’s</a:t>
+            </a:r>
+            <a:r>
+              <a:rPr lang="en-US" dirty="0"/>
+              <a:t> Path.csv</a:t>
+            </a:r>
+          </a:p>
+        </p:txBody>
+      </p:sp>
+      <p:sp>
+        <p:nvSpPr>
+          <p:cNvPr id="3" name="Content Placeholder 2">
+            <a:extLst>
+              <a:ext uri="{FF2B5EF4-FFF2-40B4-BE49-F238E27FC236}">
+                <a16:creationId xmlns:a16="http://schemas.microsoft.com/office/drawing/2014/main" id="{B50147CF-DAA8-4BEB-A969-D6D9FECE042F}"/>
+              </a:ext>
+            </a:extLst>
+          </p:cNvPr>
+          <p:cNvSpPr>
+            <a:spLocks noGrp="1"/>
+          </p:cNvSpPr>
+          <p:nvPr>
+            <p:ph idx="1"/>
+          </p:nvPr>
+        </p:nvSpPr>
+        <p:spPr/>
+        <p:txBody>
+          <a:bodyPr>
+            <a:normAutofit fontScale="85000" lnSpcReduction="20000"/>
+          </a:bodyPr>
+          <a:lstStyle/>
+          <a:p>
+            <a:r>
+              <a:rPr lang="en-US" sz="3000" dirty="0"/>
+              <a:t>Name,Desc,Number,X,Y,Theta,X,Y,Theta,X,Y,Theta,X,Y,Theta,X,Y,Theta,X,Y,Theta,X,Y,Theta</a:t>
+            </a:r>
+          </a:p>
+          <a:p>
+            <a:r>
+              <a:rPr lang="en-US" sz="3000" dirty="0"/>
+              <a:t>Move2,Move two feet,2, 0,0,0, 24,0,0</a:t>
+            </a:r>
+          </a:p>
+          <a:p>
+            <a:r>
+              <a:rPr lang="en-US" sz="3000" dirty="0"/>
+              <a:t>Red11,Feed Switch from Front Start 1 aud,4, 16,280.25,0,</a:t>
+            </a:r>
+          </a:p>
+          <a:p>
+            <a:r>
+              <a:rPr lang="en-US" sz="3000" dirty="0"/>
+              <a:t>80,290.25,0,</a:t>
+            </a:r>
+          </a:p>
+          <a:p>
+            <a:r>
+              <a:rPr lang="en-US" sz="3000" dirty="0"/>
+              <a:t>110,290.25,-30,</a:t>
+            </a:r>
+          </a:p>
+          <a:p>
+            <a:r>
+              <a:rPr lang="en-US" sz="3000" dirty="0"/>
+              <a:t>128,234,-120</a:t>
+            </a:r>
+          </a:p>
+        </p:txBody>
+      </p:sp>
+      <p:sp>
+        <p:nvSpPr>
+          <p:cNvPr id="5" name="Footer Placeholder 4">
+            <a:extLst>
+              <a:ext uri="{FF2B5EF4-FFF2-40B4-BE49-F238E27FC236}">
+                <a16:creationId xmlns:a16="http://schemas.microsoft.com/office/drawing/2014/main" id="{371C134C-9F7D-4F5D-893E-14C6DB1B17A3}"/>
+              </a:ext>
+            </a:extLst>
+          </p:cNvPr>
+          <p:cNvSpPr>
+            <a:spLocks noGrp="1"/>
+          </p:cNvSpPr>
+          <p:nvPr>
+            <p:ph type="ftr" sz="quarter" idx="11"/>
+          </p:nvPr>
+        </p:nvSpPr>
+        <p:spPr>
+          <a:xfrm>
+            <a:off x="353291" y="6303818"/>
+            <a:ext cx="9081654" cy="374074"/>
+          </a:xfrm>
+        </p:spPr>
+        <p:txBody>
+          <a:bodyPr/>
+          <a:lstStyle/>
+          <a:p>
+            <a:r>
+              <a:rPr lang="en-US" sz="2400" dirty="0">
+                <a:solidFill>
+                  <a:schemeClr val="tx1"/>
+                </a:solidFill>
+              </a:rPr>
+              <a:t>https://github.com/JimWright4089/FIRSTWorkshops</a:t>
+            </a:r>
+          </a:p>
+        </p:txBody>
+      </p:sp>
+    </p:spTree>
+    <p:extLst>
+      <p:ext uri="{BB962C8B-B14F-4D97-AF65-F5344CB8AC3E}">
+        <p14:creationId xmlns:p14="http://schemas.microsoft.com/office/powerpoint/2010/main" val="52223572"/>
+      </p:ext>
+    </p:extLst>
+  </p:cSld>
+  <p:clrMapOvr>
+    <a:masterClrMapping/>
+  </p:clrMapOvr>
+</p:sld>
+</file>
+
+<file path=ppt/slides/slide21.xml><?xml version="1.0" encoding="utf-8"?>
+<p:sld xmlns:a="http://schemas.openxmlformats.org/drawingml/2006/main" xmlns:r="http://schemas.openxmlformats.org/officeDocument/2006/relationships" xmlns:p="http://schemas.openxmlformats.org/presentationml/2006/main">
+  <p:cSld>
+    <p:spTree>
+      <p:nvGrpSpPr>
+        <p:cNvPr id="1" name=""/>
+        <p:cNvGrpSpPr/>
+        <p:nvPr/>
+      </p:nvGrpSpPr>
+      <p:grpSpPr>
+        <a:xfrm>
+          <a:off x="0" y="0"/>
+          <a:ext cx="0" cy="0"/>
+          <a:chOff x="0" y="0"/>
+          <a:chExt cx="0" cy="0"/>
+        </a:xfrm>
+      </p:grpSpPr>
+      <p:sp>
+        <p:nvSpPr>
+          <p:cNvPr id="2" name="Title 1">
+            <a:extLst>
+              <a:ext uri="{FF2B5EF4-FFF2-40B4-BE49-F238E27FC236}">
+                <a16:creationId xmlns:a16="http://schemas.microsoft.com/office/drawing/2014/main" id="{CC4A3FAA-0E02-4277-9A18-5E14BC20FA27}"/>
+              </a:ext>
+            </a:extLst>
+          </p:cNvPr>
+          <p:cNvSpPr>
+            <a:spLocks noGrp="1"/>
+          </p:cNvSpPr>
+          <p:nvPr>
+            <p:ph type="title"/>
+          </p:nvPr>
+        </p:nvSpPr>
+        <p:spPr/>
+        <p:txBody>
+          <a:bodyPr/>
+          <a:lstStyle/>
+          <a:p>
+            <a:r>
+              <a:rPr lang="en-US" dirty="0" err="1"/>
+              <a:t>Jaci’s</a:t>
+            </a:r>
+            <a:r>
+              <a:rPr lang="en-US" dirty="0"/>
+              <a:t> Settings in the Visual Studio</a:t>
+            </a:r>
+          </a:p>
+        </p:txBody>
+      </p:sp>
+      <p:sp>
+        <p:nvSpPr>
+          <p:cNvPr id="3" name="Content Placeholder 2">
+            <a:extLst>
+              <a:ext uri="{FF2B5EF4-FFF2-40B4-BE49-F238E27FC236}">
+                <a16:creationId xmlns:a16="http://schemas.microsoft.com/office/drawing/2014/main" id="{B50147CF-DAA8-4BEB-A969-D6D9FECE042F}"/>
+              </a:ext>
+            </a:extLst>
+          </p:cNvPr>
+          <p:cNvSpPr>
+            <a:spLocks noGrp="1"/>
+          </p:cNvSpPr>
+          <p:nvPr>
+            <p:ph idx="1"/>
+          </p:nvPr>
+        </p:nvSpPr>
+        <p:spPr/>
+        <p:txBody>
+          <a:bodyPr>
+            <a:normAutofit/>
+          </a:bodyPr>
+          <a:lstStyle/>
+          <a:p>
+            <a:r>
+              <a:rPr lang="en-US" dirty="0"/>
+              <a:t>//----------------------------------------------------------------------------</a:t>
+            </a:r>
+          </a:p>
+          <a:p>
+            <a:r>
+              <a:rPr lang="en-US" dirty="0"/>
+              <a:t>//  Constants</a:t>
+            </a:r>
+          </a:p>
+          <a:p>
+            <a:r>
+              <a:rPr lang="en-US" dirty="0"/>
+              <a:t>//----------------------------------------------------------------------------</a:t>
+            </a:r>
+          </a:p>
+          <a:p>
+            <a:r>
+              <a:rPr lang="en-US" dirty="0"/>
+              <a:t>const double TIME_SLICE =    0.02;   /sec</a:t>
+            </a:r>
+          </a:p>
+          <a:p>
+            <a:r>
+              <a:rPr lang="fr-FR" dirty="0" err="1"/>
+              <a:t>const</a:t>
+            </a:r>
+            <a:r>
+              <a:rPr lang="fr-FR" dirty="0"/>
+              <a:t> double MAX_VEL    =   6.0;  /per sec</a:t>
+            </a:r>
+          </a:p>
+          <a:p>
+            <a:r>
+              <a:rPr lang="fr-FR" dirty="0" err="1"/>
+              <a:t>const</a:t>
+            </a:r>
+            <a:r>
+              <a:rPr lang="fr-FR" dirty="0"/>
+              <a:t> double MAX_ACCEL  =  10.0;</a:t>
+            </a:r>
+          </a:p>
+          <a:p>
+            <a:r>
+              <a:rPr lang="fr-FR" dirty="0" err="1"/>
+              <a:t>const</a:t>
+            </a:r>
+            <a:r>
+              <a:rPr lang="fr-FR" dirty="0"/>
+              <a:t> double MAX_JERK   = 100.0;</a:t>
+            </a:r>
+            <a:endParaRPr lang="en-US" sz="3000" dirty="0"/>
+          </a:p>
+        </p:txBody>
+      </p:sp>
+      <p:sp>
+        <p:nvSpPr>
+          <p:cNvPr id="5" name="Footer Placeholder 4">
+            <a:extLst>
+              <a:ext uri="{FF2B5EF4-FFF2-40B4-BE49-F238E27FC236}">
+                <a16:creationId xmlns:a16="http://schemas.microsoft.com/office/drawing/2014/main" id="{371C134C-9F7D-4F5D-893E-14C6DB1B17A3}"/>
+              </a:ext>
+            </a:extLst>
+          </p:cNvPr>
+          <p:cNvSpPr>
+            <a:spLocks noGrp="1"/>
+          </p:cNvSpPr>
+          <p:nvPr>
+            <p:ph type="ftr" sz="quarter" idx="11"/>
+          </p:nvPr>
+        </p:nvSpPr>
+        <p:spPr>
+          <a:xfrm>
+            <a:off x="353291" y="6303818"/>
+            <a:ext cx="9081654" cy="374074"/>
+          </a:xfrm>
+        </p:spPr>
+        <p:txBody>
+          <a:bodyPr/>
+          <a:lstStyle/>
+          <a:p>
+            <a:r>
+              <a:rPr lang="en-US" sz="2400" dirty="0">
+                <a:solidFill>
+                  <a:schemeClr val="tx1"/>
+                </a:solidFill>
+              </a:rPr>
+              <a:t>https://github.com/JimWright4089/FIRSTWorkshops</a:t>
+            </a:r>
+          </a:p>
+        </p:txBody>
+      </p:sp>
+    </p:spTree>
+    <p:extLst>
+      <p:ext uri="{BB962C8B-B14F-4D97-AF65-F5344CB8AC3E}">
+        <p14:creationId xmlns:p14="http://schemas.microsoft.com/office/powerpoint/2010/main" val="818825974"/>
+      </p:ext>
+    </p:extLst>
+  </p:cSld>
+  <p:clrMapOvr>
+    <a:masterClrMapping/>
+  </p:clrMapOvr>
+</p:sld>
+</file>
+
+<file path=ppt/slides/slide22.xml><?xml version="1.0" encoding="utf-8"?>
+<p:sld xmlns:a="http://schemas.openxmlformats.org/drawingml/2006/main" xmlns:r="http://schemas.openxmlformats.org/officeDocument/2006/relationships" xmlns:p="http://schemas.openxmlformats.org/presentationml/2006/main">
+  <p:cSld>
+    <p:spTree>
+      <p:nvGrpSpPr>
+        <p:cNvPr id="1" name=""/>
+        <p:cNvGrpSpPr/>
+        <p:nvPr/>
+      </p:nvGrpSpPr>
+      <p:grpSpPr>
+        <a:xfrm>
+          <a:off x="0" y="0"/>
+          <a:ext cx="0" cy="0"/>
+          <a:chOff x="0" y="0"/>
+          <a:chExt cx="0" cy="0"/>
+        </a:xfrm>
+      </p:grpSpPr>
+      <p:sp>
+        <p:nvSpPr>
+          <p:cNvPr id="2" name="Title 1">
+            <a:extLst>
+              <a:ext uri="{FF2B5EF4-FFF2-40B4-BE49-F238E27FC236}">
+                <a16:creationId xmlns:a16="http://schemas.microsoft.com/office/drawing/2014/main" id="{CC4A3FAA-0E02-4277-9A18-5E14BC20FA27}"/>
+              </a:ext>
+            </a:extLst>
+          </p:cNvPr>
+          <p:cNvSpPr>
+            <a:spLocks noGrp="1"/>
+          </p:cNvSpPr>
+          <p:nvPr>
+            <p:ph type="title"/>
+          </p:nvPr>
+        </p:nvSpPr>
+        <p:spPr/>
+        <p:txBody>
+          <a:bodyPr/>
+          <a:lstStyle/>
+          <a:p>
+            <a:r>
+              <a:rPr lang="en-US" dirty="0" err="1"/>
+              <a:t>Jaci’s</a:t>
+            </a:r>
+            <a:r>
+              <a:rPr lang="en-US" dirty="0"/>
+              <a:t> output</a:t>
+            </a:r>
+          </a:p>
+        </p:txBody>
+      </p:sp>
+      <p:sp>
+        <p:nvSpPr>
+          <p:cNvPr id="3" name="Content Placeholder 2">
+            <a:extLst>
+              <a:ext uri="{FF2B5EF4-FFF2-40B4-BE49-F238E27FC236}">
+                <a16:creationId xmlns:a16="http://schemas.microsoft.com/office/drawing/2014/main" id="{B50147CF-DAA8-4BEB-A969-D6D9FECE042F}"/>
+              </a:ext>
+            </a:extLst>
+          </p:cNvPr>
+          <p:cNvSpPr>
+            <a:spLocks noGrp="1"/>
+          </p:cNvSpPr>
+          <p:nvPr>
+            <p:ph idx="1"/>
+          </p:nvPr>
+        </p:nvSpPr>
+        <p:spPr/>
+        <p:txBody>
+          <a:bodyPr>
+            <a:normAutofit/>
+          </a:bodyPr>
+          <a:lstStyle/>
+          <a:p>
+            <a:r>
+              <a:rPr lang="en-US" sz="3000" dirty="0"/>
+              <a:t>The output is a .java file for every line in the CVS.  Subclass of Class.java</a:t>
+            </a:r>
+          </a:p>
+          <a:p>
+            <a:endParaRPr lang="en-US" sz="3000" dirty="0"/>
+          </a:p>
+        </p:txBody>
+      </p:sp>
+      <p:sp>
+        <p:nvSpPr>
+          <p:cNvPr id="5" name="Footer Placeholder 4">
+            <a:extLst>
+              <a:ext uri="{FF2B5EF4-FFF2-40B4-BE49-F238E27FC236}">
+                <a16:creationId xmlns:a16="http://schemas.microsoft.com/office/drawing/2014/main" id="{371C134C-9F7D-4F5D-893E-14C6DB1B17A3}"/>
+              </a:ext>
+            </a:extLst>
+          </p:cNvPr>
+          <p:cNvSpPr>
+            <a:spLocks noGrp="1"/>
+          </p:cNvSpPr>
+          <p:nvPr>
+            <p:ph type="ftr" sz="quarter" idx="11"/>
+          </p:nvPr>
+        </p:nvSpPr>
+        <p:spPr>
+          <a:xfrm>
+            <a:off x="353291" y="6303818"/>
+            <a:ext cx="9081654" cy="374074"/>
+          </a:xfrm>
+        </p:spPr>
+        <p:txBody>
+          <a:bodyPr/>
+          <a:lstStyle/>
+          <a:p>
+            <a:r>
+              <a:rPr lang="en-US" sz="2400" dirty="0">
+                <a:solidFill>
+                  <a:schemeClr val="tx1"/>
+                </a:solidFill>
+              </a:rPr>
+              <a:t>https://github.com/JimWright4089/FIRSTWorkshops</a:t>
+            </a:r>
+          </a:p>
+        </p:txBody>
+      </p:sp>
+    </p:spTree>
+    <p:extLst>
+      <p:ext uri="{BB962C8B-B14F-4D97-AF65-F5344CB8AC3E}">
+        <p14:creationId xmlns:p14="http://schemas.microsoft.com/office/powerpoint/2010/main" val="3758601502"/>
+      </p:ext>
+    </p:extLst>
+  </p:cSld>
+  <p:clrMapOvr>
+    <a:masterClrMapping/>
+  </p:clrMapOvr>
+</p:sld>
+</file>
+
+<file path=ppt/slides/slide23.xml><?xml version="1.0" encoding="utf-8"?>
+<p:sld xmlns:a="http://schemas.openxmlformats.org/drawingml/2006/main" xmlns:r="http://schemas.openxmlformats.org/officeDocument/2006/relationships" xmlns:p="http://schemas.openxmlformats.org/presentationml/2006/main">
+  <p:cSld>
+    <p:spTree>
+      <p:nvGrpSpPr>
+        <p:cNvPr id="1" name=""/>
+        <p:cNvGrpSpPr/>
+        <p:nvPr/>
+      </p:nvGrpSpPr>
+      <p:grpSpPr>
+        <a:xfrm>
+          <a:off x="0" y="0"/>
+          <a:ext cx="0" cy="0"/>
+          <a:chOff x="0" y="0"/>
+          <a:chExt cx="0" cy="0"/>
+        </a:xfrm>
+      </p:grpSpPr>
+      <p:sp>
+        <p:nvSpPr>
+          <p:cNvPr id="2" name="Title 1">
+            <a:extLst>
+              <a:ext uri="{FF2B5EF4-FFF2-40B4-BE49-F238E27FC236}">
+                <a16:creationId xmlns:a16="http://schemas.microsoft.com/office/drawing/2014/main" id="{CC4A3FAA-0E02-4277-9A18-5E14BC20FA27}"/>
+              </a:ext>
+            </a:extLst>
+          </p:cNvPr>
+          <p:cNvSpPr>
+            <a:spLocks noGrp="1"/>
+          </p:cNvSpPr>
+          <p:nvPr>
+            <p:ph type="title"/>
+          </p:nvPr>
+        </p:nvSpPr>
+        <p:spPr/>
+        <p:txBody>
+          <a:bodyPr/>
+          <a:lstStyle/>
+          <a:p>
+            <a:r>
+              <a:rPr lang="en-US" dirty="0"/>
+              <a:t>Classes</a:t>
+            </a:r>
+          </a:p>
+        </p:txBody>
+      </p:sp>
+      <p:sp>
+        <p:nvSpPr>
+          <p:cNvPr id="3" name="Content Placeholder 2">
+            <a:extLst>
+              <a:ext uri="{FF2B5EF4-FFF2-40B4-BE49-F238E27FC236}">
+                <a16:creationId xmlns:a16="http://schemas.microsoft.com/office/drawing/2014/main" id="{B50147CF-DAA8-4BEB-A969-D6D9FECE042F}"/>
+              </a:ext>
+            </a:extLst>
+          </p:cNvPr>
+          <p:cNvSpPr>
+            <a:spLocks noGrp="1"/>
+          </p:cNvSpPr>
+          <p:nvPr>
+            <p:ph idx="1"/>
+          </p:nvPr>
+        </p:nvSpPr>
+        <p:spPr/>
+        <p:txBody>
+          <a:bodyPr>
+            <a:normAutofit fontScale="55000" lnSpcReduction="20000"/>
+          </a:bodyPr>
+          <a:lstStyle/>
+          <a:p>
+            <a:r>
+              <a:rPr lang="en-US" sz="3000" dirty="0"/>
+              <a:t>Path.java</a:t>
+            </a:r>
+          </a:p>
+          <a:p>
+            <a:pPr lvl="1"/>
+            <a:r>
+              <a:rPr lang="en-US" sz="2800" dirty="0"/>
+              <a:t>This is the super class of every path.</a:t>
+            </a:r>
+            <a:endParaRPr lang="en-US" sz="3000" dirty="0"/>
+          </a:p>
+          <a:p>
+            <a:r>
+              <a:rPr lang="en-US" sz="3000" dirty="0"/>
+              <a:t> public double </a:t>
+            </a:r>
+            <a:r>
+              <a:rPr lang="en-US" sz="3000" dirty="0" err="1"/>
+              <a:t>kSpeed</a:t>
+            </a:r>
+            <a:r>
+              <a:rPr lang="en-US" sz="3000" dirty="0"/>
+              <a:t> = 14.0;</a:t>
+            </a:r>
+          </a:p>
+          <a:p>
+            <a:r>
+              <a:rPr lang="en-US" sz="3000" dirty="0"/>
+              <a:t>    public int </a:t>
+            </a:r>
+            <a:r>
+              <a:rPr lang="en-US" sz="3000" dirty="0" err="1"/>
+              <a:t>kNumPoints</a:t>
+            </a:r>
+            <a:r>
+              <a:rPr lang="en-US" sz="3000" dirty="0"/>
+              <a:t> =64;</a:t>
+            </a:r>
+          </a:p>
+          <a:p>
+            <a:r>
+              <a:rPr lang="en-US" sz="3000" dirty="0"/>
+              <a:t>    public double[][] </a:t>
+            </a:r>
+            <a:r>
+              <a:rPr lang="en-US" sz="3000" dirty="0" err="1"/>
+              <a:t>kPoints</a:t>
+            </a:r>
+            <a:r>
+              <a:rPr lang="en-US" sz="3000" dirty="0"/>
+              <a:t> = new double[][]{</a:t>
+            </a:r>
+          </a:p>
+          <a:p>
+            <a:r>
+              <a:rPr lang="en-US" sz="3000" dirty="0"/>
+              <a:t>            {1.941176, 1.941176, 0.015257, 16.016520, 50.750002, 16.020248, 36.750003},</a:t>
+            </a:r>
+          </a:p>
+          <a:p>
+            <a:r>
+              <a:rPr lang="en-US" sz="3000" dirty="0"/>
+              <a:t>            {3.488871, 4.275835, 0.079671, 16.086297, 50.750060, 16.105765, 36.750074},</a:t>
+            </a:r>
+          </a:p>
+          <a:p>
+            <a:r>
+              <a:rPr lang="en-US" sz="3000" dirty="0"/>
+              <a:t>The lines are, left speed, right speed, heading, and other 4 fields that we don’t need to really pay attention to.</a:t>
+            </a:r>
+          </a:p>
+          <a:p>
+            <a:endParaRPr lang="en-US" sz="3000" dirty="0"/>
+          </a:p>
+          <a:p>
+            <a:pPr marL="0" indent="0">
+              <a:buNone/>
+            </a:pPr>
+            <a:endParaRPr lang="en-US" sz="3000" dirty="0"/>
+          </a:p>
+        </p:txBody>
+      </p:sp>
+      <p:sp>
+        <p:nvSpPr>
+          <p:cNvPr id="5" name="Footer Placeholder 4">
+            <a:extLst>
+              <a:ext uri="{FF2B5EF4-FFF2-40B4-BE49-F238E27FC236}">
+                <a16:creationId xmlns:a16="http://schemas.microsoft.com/office/drawing/2014/main" id="{371C134C-9F7D-4F5D-893E-14C6DB1B17A3}"/>
+              </a:ext>
+            </a:extLst>
+          </p:cNvPr>
+          <p:cNvSpPr>
+            <a:spLocks noGrp="1"/>
+          </p:cNvSpPr>
+          <p:nvPr>
+            <p:ph type="ftr" sz="quarter" idx="11"/>
+          </p:nvPr>
+        </p:nvSpPr>
+        <p:spPr>
+          <a:xfrm>
+            <a:off x="353291" y="6303818"/>
+            <a:ext cx="9081654" cy="374074"/>
+          </a:xfrm>
+        </p:spPr>
+        <p:txBody>
+          <a:bodyPr/>
+          <a:lstStyle/>
+          <a:p>
+            <a:r>
+              <a:rPr lang="en-US" sz="2400" dirty="0">
+                <a:solidFill>
+                  <a:schemeClr val="tx1"/>
+                </a:solidFill>
+              </a:rPr>
+              <a:t>https://github.com/JimWright4089/FIRSTWorkshops</a:t>
+            </a:r>
+          </a:p>
+        </p:txBody>
+      </p:sp>
+    </p:spTree>
+    <p:extLst>
+      <p:ext uri="{BB962C8B-B14F-4D97-AF65-F5344CB8AC3E}">
+        <p14:creationId xmlns:p14="http://schemas.microsoft.com/office/powerpoint/2010/main" val="2817288444"/>
+      </p:ext>
+    </p:extLst>
+  </p:cSld>
+  <p:clrMapOvr>
+    <a:masterClrMapping/>
+  </p:clrMapOvr>
+</p:sld>
+</file>
+
+<file path=ppt/slides/slide24.xml><?xml version="1.0" encoding="utf-8"?>
+<p:sld xmlns:a="http://schemas.openxmlformats.org/drawingml/2006/main" xmlns:r="http://schemas.openxmlformats.org/officeDocument/2006/relationships" xmlns:p="http://schemas.openxmlformats.org/presentationml/2006/main">
+  <p:cSld>
+    <p:spTree>
+      <p:nvGrpSpPr>
+        <p:cNvPr id="1" name=""/>
+        <p:cNvGrpSpPr/>
+        <p:nvPr/>
+      </p:nvGrpSpPr>
+      <p:grpSpPr>
+        <a:xfrm>
+          <a:off x="0" y="0"/>
+          <a:ext cx="0" cy="0"/>
+          <a:chOff x="0" y="0"/>
+          <a:chExt cx="0" cy="0"/>
+        </a:xfrm>
+      </p:grpSpPr>
+      <p:sp>
+        <p:nvSpPr>
+          <p:cNvPr id="2" name="Title 1">
+            <a:extLst>
+              <a:ext uri="{FF2B5EF4-FFF2-40B4-BE49-F238E27FC236}">
+                <a16:creationId xmlns:a16="http://schemas.microsoft.com/office/drawing/2014/main" id="{CC4A3FAA-0E02-4277-9A18-5E14BC20FA27}"/>
+              </a:ext>
+            </a:extLst>
+          </p:cNvPr>
+          <p:cNvSpPr>
+            <a:spLocks noGrp="1"/>
+          </p:cNvSpPr>
+          <p:nvPr>
+            <p:ph type="title"/>
+          </p:nvPr>
+        </p:nvSpPr>
+        <p:spPr/>
+        <p:txBody>
+          <a:bodyPr/>
+          <a:lstStyle/>
+          <a:p>
+            <a:r>
+              <a:rPr lang="en-US" dirty="0"/>
+              <a:t>Classes</a:t>
+            </a:r>
+          </a:p>
+        </p:txBody>
+      </p:sp>
+      <p:sp>
+        <p:nvSpPr>
+          <p:cNvPr id="3" name="Content Placeholder 2">
+            <a:extLst>
+              <a:ext uri="{FF2B5EF4-FFF2-40B4-BE49-F238E27FC236}">
+                <a16:creationId xmlns:a16="http://schemas.microsoft.com/office/drawing/2014/main" id="{B50147CF-DAA8-4BEB-A969-D6D9FECE042F}"/>
+              </a:ext>
+            </a:extLst>
+          </p:cNvPr>
+          <p:cNvSpPr>
+            <a:spLocks noGrp="1"/>
+          </p:cNvSpPr>
+          <p:nvPr>
+            <p:ph idx="1"/>
+          </p:nvPr>
+        </p:nvSpPr>
+        <p:spPr/>
+        <p:txBody>
+          <a:bodyPr>
+            <a:normAutofit fontScale="77500" lnSpcReduction="20000"/>
+          </a:bodyPr>
+          <a:lstStyle/>
+          <a:p>
+            <a:r>
+              <a:rPr lang="en-US" sz="3000" dirty="0"/>
+              <a:t>DrivePathAction.java</a:t>
+            </a:r>
+          </a:p>
+          <a:p>
+            <a:pPr lvl="1"/>
+            <a:r>
+              <a:rPr lang="en-US" sz="2800" dirty="0"/>
+              <a:t>Constructor takes in a Path.</a:t>
+            </a:r>
+          </a:p>
+          <a:p>
+            <a:r>
+              <a:rPr lang="en-US" sz="3000" dirty="0" err="1"/>
+              <a:t>isFinished</a:t>
+            </a:r>
+            <a:r>
+              <a:rPr lang="en-US" sz="3000" dirty="0"/>
+              <a:t>()</a:t>
+            </a:r>
+          </a:p>
+          <a:p>
+            <a:pPr lvl="1"/>
+            <a:r>
+              <a:rPr lang="en-US" sz="2800" dirty="0"/>
+              <a:t>Checks to see if all the points have been run</a:t>
+            </a:r>
+          </a:p>
+          <a:p>
+            <a:r>
+              <a:rPr lang="en-US" sz="3000" dirty="0"/>
+              <a:t>end</a:t>
+            </a:r>
+          </a:p>
+          <a:p>
+            <a:pPr lvl="1"/>
+            <a:r>
+              <a:rPr lang="en-US" sz="2800" dirty="0"/>
+              <a:t>Stops the motors</a:t>
+            </a:r>
+          </a:p>
+          <a:p>
+            <a:r>
+              <a:rPr lang="en-US" sz="3000" dirty="0"/>
+              <a:t>Initialize</a:t>
+            </a:r>
+          </a:p>
+          <a:p>
+            <a:pPr lvl="1"/>
+            <a:r>
+              <a:rPr lang="en-US" sz="2800" dirty="0"/>
+              <a:t>Resets the count to 0</a:t>
+            </a:r>
+          </a:p>
+          <a:p>
+            <a:pPr marL="0" indent="0">
+              <a:buNone/>
+            </a:pPr>
+            <a:endParaRPr lang="en-US" sz="3000" dirty="0"/>
+          </a:p>
+        </p:txBody>
+      </p:sp>
+      <p:sp>
+        <p:nvSpPr>
+          <p:cNvPr id="5" name="Footer Placeholder 4">
+            <a:extLst>
+              <a:ext uri="{FF2B5EF4-FFF2-40B4-BE49-F238E27FC236}">
+                <a16:creationId xmlns:a16="http://schemas.microsoft.com/office/drawing/2014/main" id="{371C134C-9F7D-4F5D-893E-14C6DB1B17A3}"/>
+              </a:ext>
+            </a:extLst>
+          </p:cNvPr>
+          <p:cNvSpPr>
+            <a:spLocks noGrp="1"/>
+          </p:cNvSpPr>
+          <p:nvPr>
+            <p:ph type="ftr" sz="quarter" idx="11"/>
+          </p:nvPr>
+        </p:nvSpPr>
+        <p:spPr>
+          <a:xfrm>
+            <a:off x="353291" y="6303818"/>
+            <a:ext cx="9081654" cy="374074"/>
+          </a:xfrm>
+        </p:spPr>
+        <p:txBody>
+          <a:bodyPr/>
+          <a:lstStyle/>
+          <a:p>
+            <a:r>
+              <a:rPr lang="en-US" sz="2400" dirty="0">
+                <a:solidFill>
+                  <a:schemeClr val="tx1"/>
+                </a:solidFill>
+              </a:rPr>
+              <a:t>https://github.com/JimWright4089/FIRSTWorkshops</a:t>
+            </a:r>
+          </a:p>
+        </p:txBody>
+      </p:sp>
+      <p:sp>
+        <p:nvSpPr>
+          <p:cNvPr id="4" name="Rectangle 1">
+            <a:extLst>
+              <a:ext uri="{FF2B5EF4-FFF2-40B4-BE49-F238E27FC236}">
+                <a16:creationId xmlns:a16="http://schemas.microsoft.com/office/drawing/2014/main" id="{87129B67-A605-44B6-814D-6176EC8C3D96}"/>
+              </a:ext>
+            </a:extLst>
+          </p:cNvPr>
+          <p:cNvSpPr>
+            <a:spLocks noChangeArrowheads="1"/>
+          </p:cNvSpPr>
+          <p:nvPr/>
+        </p:nvSpPr>
+        <p:spPr bwMode="auto">
+          <a:xfrm>
+            <a:off x="0" y="0"/>
+            <a:ext cx="12192000" cy="457200"/>
+          </a:xfrm>
+          <a:prstGeom prst="rect">
+            <a:avLst/>
+          </a:prstGeom>
+          <a:solidFill>
+            <a:srgbClr val="FFFFFF"/>
+          </a:solidFill>
+          <a:ln>
+            <a:noFill/>
+          </a:ln>
+          <a:effectLst/>
+          <a:extLst>
+            <a:ext uri="{91240B29-F687-4F45-9708-019B960494DF}">
+              <a14:hiddenLine xmlns:a14="http://schemas.microsoft.com/office/drawing/2010/main" w="9525">
+                <a:solidFill>
+                  <a:schemeClr val="tx1"/>
+                </a:solidFill>
+                <a:miter lim="800000"/>
+                <a:headEnd/>
+                <a:tailEnd/>
+              </a14:hiddenLine>
+            </a:ext>
+            <a:ext uri="{AF507438-7753-43E0-B8FC-AC1667EBCBE1}">
+              <a14:hiddenEffects xmlns:a14="http://schemas.microsoft.com/office/drawing/2010/main">
+                <a:effectLst>
+                  <a:outerShdw dist="35921" dir="2700000" algn="ctr" rotWithShape="0">
+                    <a:schemeClr val="bg2"/>
+                  </a:outerShdw>
+                </a:effectLst>
+              </a14:hiddenEffects>
+            </a:ext>
+          </a:extLst>
+        </p:spPr>
+        <p:txBody>
+          <a:bodyPr vert="horz" wrap="none" lIns="91440" tIns="45720" rIns="91440" bIns="45720" numCol="1" anchor="ctr" anchorCtr="0" compatLnSpc="1">
+            <a:prstTxWarp prst="textNoShape">
+              <a:avLst/>
+            </a:prstTxWarp>
+            <a:spAutoFit/>
+          </a:bodyPr>
+          <a:lstStyle/>
+          <a:p>
+            <a:pPr marL="0" marR="0" lvl="0" indent="0" algn="l" defTabSz="914400" rtl="0" eaLnBrk="0" fontAlgn="base" latinLnBrk="0" hangingPunct="0">
+              <a:lnSpc>
+                <a:spcPct val="100000"/>
+              </a:lnSpc>
+              <a:spcBef>
+                <a:spcPct val="0"/>
+              </a:spcBef>
+              <a:spcAft>
+                <a:spcPct val="0"/>
+              </a:spcAft>
+              <a:buClrTx/>
+              <a:buSzTx/>
+              <a:buFontTx/>
+              <a:buNone/>
+              <a:tabLst/>
+            </a:pPr>
+            <a:r>
+              <a:rPr kumimoji="0" lang="en-US" altLang="en-US" sz="1200" b="0" i="0" u="none" strike="noStrike" cap="none" normalizeH="0" baseline="0">
+                <a:ln>
+                  <a:noFill/>
+                </a:ln>
+                <a:solidFill>
+                  <a:srgbClr val="000000"/>
+                </a:solidFill>
+                <a:effectLst/>
+                <a:latin typeface="Source Code Pro" panose="020B0509030403020204" pitchFamily="49" charset="0"/>
+              </a:rPr>
+              <a:t>DrivePathAction</a:t>
+            </a:r>
+            <a:endParaRPr kumimoji="0" lang="en-US" altLang="en-US" sz="1800" b="0" i="0" u="none" strike="noStrike" cap="none" normalizeH="0" baseline="0">
+              <a:ln>
+                <a:noFill/>
+              </a:ln>
+              <a:solidFill>
+                <a:schemeClr val="tx1"/>
+              </a:solidFill>
+              <a:effectLst/>
+              <a:latin typeface="Arial" panose="020B0604020202020204" pitchFamily="34" charset="0"/>
+            </a:endParaRPr>
+          </a:p>
+        </p:txBody>
+      </p:sp>
+    </p:spTree>
+    <p:extLst>
+      <p:ext uri="{BB962C8B-B14F-4D97-AF65-F5344CB8AC3E}">
+        <p14:creationId xmlns:p14="http://schemas.microsoft.com/office/powerpoint/2010/main" val="1541088708"/>
+      </p:ext>
+    </p:extLst>
+  </p:cSld>
+  <p:clrMapOvr>
+    <a:masterClrMapping/>
+  </p:clrMapOvr>
+</p:sld>
+</file>
+
+<file path=ppt/slides/slide25.xml><?xml version="1.0" encoding="utf-8"?>
+<p:sld xmlns:a="http://schemas.openxmlformats.org/drawingml/2006/main" xmlns:r="http://schemas.openxmlformats.org/officeDocument/2006/relationships" xmlns:p="http://schemas.openxmlformats.org/presentationml/2006/main">
+  <p:cSld>
+    <p:spTree>
+      <p:nvGrpSpPr>
+        <p:cNvPr id="1" name=""/>
+        <p:cNvGrpSpPr/>
+        <p:nvPr/>
+      </p:nvGrpSpPr>
+      <p:grpSpPr>
+        <a:xfrm>
+          <a:off x="0" y="0"/>
+          <a:ext cx="0" cy="0"/>
+          <a:chOff x="0" y="0"/>
+          <a:chExt cx="0" cy="0"/>
+        </a:xfrm>
+      </p:grpSpPr>
+      <p:sp>
+        <p:nvSpPr>
+          <p:cNvPr id="2" name="Title 1">
+            <a:extLst>
+              <a:ext uri="{FF2B5EF4-FFF2-40B4-BE49-F238E27FC236}">
+                <a16:creationId xmlns:a16="http://schemas.microsoft.com/office/drawing/2014/main" id="{CC4A3FAA-0E02-4277-9A18-5E14BC20FA27}"/>
+              </a:ext>
+            </a:extLst>
+          </p:cNvPr>
+          <p:cNvSpPr>
+            <a:spLocks noGrp="1"/>
+          </p:cNvSpPr>
+          <p:nvPr>
+            <p:ph type="title"/>
+          </p:nvPr>
+        </p:nvSpPr>
+        <p:spPr/>
+        <p:txBody>
+          <a:bodyPr/>
+          <a:lstStyle/>
+          <a:p>
+            <a:r>
+              <a:rPr lang="en-US" dirty="0"/>
+              <a:t>Classes</a:t>
+            </a:r>
+          </a:p>
+        </p:txBody>
+      </p:sp>
+      <p:sp>
+        <p:nvSpPr>
+          <p:cNvPr id="3" name="Content Placeholder 2">
+            <a:extLst>
+              <a:ext uri="{FF2B5EF4-FFF2-40B4-BE49-F238E27FC236}">
+                <a16:creationId xmlns:a16="http://schemas.microsoft.com/office/drawing/2014/main" id="{B50147CF-DAA8-4BEB-A969-D6D9FECE042F}"/>
+              </a:ext>
+            </a:extLst>
+          </p:cNvPr>
+          <p:cNvSpPr>
+            <a:spLocks noGrp="1"/>
+          </p:cNvSpPr>
+          <p:nvPr>
+            <p:ph idx="1"/>
+          </p:nvPr>
+        </p:nvSpPr>
+        <p:spPr/>
+        <p:txBody>
+          <a:bodyPr>
+            <a:normAutofit fontScale="92500" lnSpcReduction="20000"/>
+          </a:bodyPr>
+          <a:lstStyle/>
+          <a:p>
+            <a:r>
+              <a:rPr lang="en-US" sz="3000" dirty="0"/>
+              <a:t>DrivePathAction.java</a:t>
+            </a:r>
+          </a:p>
+          <a:p>
+            <a:r>
+              <a:rPr lang="en-US" sz="3000" dirty="0"/>
+              <a:t>execute</a:t>
+            </a:r>
+          </a:p>
+          <a:p>
+            <a:pPr lvl="1"/>
+            <a:r>
+              <a:rPr lang="en-US" sz="2800" dirty="0"/>
+              <a:t>Takes the motors and the gyro and adjusts the speed.</a:t>
+            </a:r>
+          </a:p>
+          <a:p>
+            <a:pPr lvl="1"/>
+            <a:r>
+              <a:rPr lang="en-US" sz="2800" dirty="0"/>
+              <a:t>Should be run every at the speed we said in the settings (0.02 sec)</a:t>
+            </a:r>
+          </a:p>
+          <a:p>
+            <a:pPr lvl="1"/>
+            <a:r>
+              <a:rPr lang="en-US" sz="3000" dirty="0"/>
+              <a:t>Important constant:  DIST_TO_REAL_DIST_CONST </a:t>
+            </a:r>
+          </a:p>
+          <a:p>
+            <a:pPr marL="0" indent="0">
+              <a:buNone/>
+            </a:pPr>
+            <a:endParaRPr lang="en-US" sz="3000" dirty="0"/>
+          </a:p>
+        </p:txBody>
+      </p:sp>
+      <p:sp>
+        <p:nvSpPr>
+          <p:cNvPr id="5" name="Footer Placeholder 4">
+            <a:extLst>
+              <a:ext uri="{FF2B5EF4-FFF2-40B4-BE49-F238E27FC236}">
+                <a16:creationId xmlns:a16="http://schemas.microsoft.com/office/drawing/2014/main" id="{371C134C-9F7D-4F5D-893E-14C6DB1B17A3}"/>
+              </a:ext>
+            </a:extLst>
+          </p:cNvPr>
+          <p:cNvSpPr>
+            <a:spLocks noGrp="1"/>
+          </p:cNvSpPr>
+          <p:nvPr>
+            <p:ph type="ftr" sz="quarter" idx="11"/>
+          </p:nvPr>
+        </p:nvSpPr>
+        <p:spPr>
+          <a:xfrm>
+            <a:off x="353291" y="6303818"/>
+            <a:ext cx="9081654" cy="374074"/>
+          </a:xfrm>
+        </p:spPr>
+        <p:txBody>
+          <a:bodyPr/>
+          <a:lstStyle/>
+          <a:p>
+            <a:r>
+              <a:rPr lang="en-US" sz="2400" dirty="0">
+                <a:solidFill>
+                  <a:schemeClr val="tx1"/>
+                </a:solidFill>
+              </a:rPr>
+              <a:t>https://github.com/JimWright4089/FIRSTWorkshops</a:t>
+            </a:r>
+          </a:p>
+        </p:txBody>
+      </p:sp>
+    </p:spTree>
+    <p:extLst>
+      <p:ext uri="{BB962C8B-B14F-4D97-AF65-F5344CB8AC3E}">
+        <p14:creationId xmlns:p14="http://schemas.microsoft.com/office/powerpoint/2010/main" val="2853441399"/>
+      </p:ext>
+    </p:extLst>
+  </p:cSld>
+  <p:clrMapOvr>
+    <a:masterClrMapping/>
+  </p:clrMapOvr>
+</p:sld>
+</file>
+
+<file path=ppt/slides/slide26.xml><?xml version="1.0" encoding="utf-8"?>
+<p:sld xmlns:a="http://schemas.openxmlformats.org/drawingml/2006/main" xmlns:r="http://schemas.openxmlformats.org/officeDocument/2006/relationships" xmlns:p="http://schemas.openxmlformats.org/presentationml/2006/main">
+  <p:cSld>
+    <p:spTree>
+      <p:nvGrpSpPr>
+        <p:cNvPr id="1" name=""/>
+        <p:cNvGrpSpPr/>
+        <p:nvPr/>
+      </p:nvGrpSpPr>
+      <p:grpSpPr>
+        <a:xfrm>
+          <a:off x="0" y="0"/>
+          <a:ext cx="0" cy="0"/>
+          <a:chOff x="0" y="0"/>
+          <a:chExt cx="0" cy="0"/>
+        </a:xfrm>
+      </p:grpSpPr>
+      <p:sp>
+        <p:nvSpPr>
+          <p:cNvPr id="2" name="Title 1">
+            <a:extLst>
+              <a:ext uri="{FF2B5EF4-FFF2-40B4-BE49-F238E27FC236}">
+                <a16:creationId xmlns:a16="http://schemas.microsoft.com/office/drawing/2014/main" id="{CC4A3FAA-0E02-4277-9A18-5E14BC20FA27}"/>
+              </a:ext>
+            </a:extLst>
+          </p:cNvPr>
+          <p:cNvSpPr>
+            <a:spLocks noGrp="1"/>
+          </p:cNvSpPr>
+          <p:nvPr>
+            <p:ph type="title"/>
+          </p:nvPr>
+        </p:nvSpPr>
+        <p:spPr/>
+        <p:txBody>
+          <a:bodyPr/>
+          <a:lstStyle/>
+          <a:p>
+            <a:r>
+              <a:rPr lang="en-US" dirty="0"/>
+              <a:t>DIST_TO_REAL_DIST_CONST</a:t>
+            </a:r>
+          </a:p>
+        </p:txBody>
+      </p:sp>
+      <p:sp>
+        <p:nvSpPr>
+          <p:cNvPr id="3" name="Content Placeholder 2">
+            <a:extLst>
+              <a:ext uri="{FF2B5EF4-FFF2-40B4-BE49-F238E27FC236}">
+                <a16:creationId xmlns:a16="http://schemas.microsoft.com/office/drawing/2014/main" id="{B50147CF-DAA8-4BEB-A969-D6D9FECE042F}"/>
+              </a:ext>
+            </a:extLst>
+          </p:cNvPr>
+          <p:cNvSpPr>
+            <a:spLocks noGrp="1"/>
+          </p:cNvSpPr>
+          <p:nvPr>
+            <p:ph idx="1"/>
+          </p:nvPr>
+        </p:nvSpPr>
+        <p:spPr/>
+        <p:txBody>
+          <a:bodyPr>
+            <a:normAutofit/>
+          </a:bodyPr>
+          <a:lstStyle/>
+          <a:p>
+            <a:r>
+              <a:rPr lang="en-US" sz="3000" dirty="0"/>
+              <a:t>It takes </a:t>
+            </a:r>
+            <a:r>
+              <a:rPr lang="en-US" sz="3000" dirty="0" err="1"/>
+              <a:t>Jaci’s</a:t>
+            </a:r>
+            <a:r>
+              <a:rPr lang="en-US" sz="3000" dirty="0"/>
+              <a:t> units and translates them into your robot units.</a:t>
+            </a:r>
+          </a:p>
+          <a:p>
+            <a:r>
+              <a:rPr lang="en-US" sz="3000" dirty="0"/>
+              <a:t>Make a path that moves 2 feet.</a:t>
+            </a:r>
+          </a:p>
+          <a:p>
+            <a:r>
+              <a:rPr lang="en-US" sz="3000" dirty="0"/>
+              <a:t>Run that path on your robot, adjusting this const until your robot moves 2 feet.</a:t>
+            </a:r>
+          </a:p>
+          <a:p>
+            <a:pPr marL="0" indent="0">
+              <a:buNone/>
+            </a:pPr>
+            <a:endParaRPr lang="en-US" sz="3000" dirty="0"/>
+          </a:p>
+        </p:txBody>
+      </p:sp>
+      <p:sp>
+        <p:nvSpPr>
+          <p:cNvPr id="5" name="Footer Placeholder 4">
+            <a:extLst>
+              <a:ext uri="{FF2B5EF4-FFF2-40B4-BE49-F238E27FC236}">
+                <a16:creationId xmlns:a16="http://schemas.microsoft.com/office/drawing/2014/main" id="{371C134C-9F7D-4F5D-893E-14C6DB1B17A3}"/>
+              </a:ext>
+            </a:extLst>
+          </p:cNvPr>
+          <p:cNvSpPr>
+            <a:spLocks noGrp="1"/>
+          </p:cNvSpPr>
+          <p:nvPr>
+            <p:ph type="ftr" sz="quarter" idx="11"/>
+          </p:nvPr>
+        </p:nvSpPr>
+        <p:spPr>
+          <a:xfrm>
+            <a:off x="353291" y="6303818"/>
+            <a:ext cx="9081654" cy="374074"/>
+          </a:xfrm>
+        </p:spPr>
+        <p:txBody>
+          <a:bodyPr/>
+          <a:lstStyle/>
+          <a:p>
+            <a:r>
+              <a:rPr lang="en-US" sz="2400" dirty="0">
+                <a:solidFill>
+                  <a:schemeClr val="tx1"/>
+                </a:solidFill>
+              </a:rPr>
+              <a:t>https://github.com/JimWright4089/FIRSTWorkshops</a:t>
+            </a:r>
+          </a:p>
+        </p:txBody>
+      </p:sp>
+    </p:spTree>
+    <p:extLst>
+      <p:ext uri="{BB962C8B-B14F-4D97-AF65-F5344CB8AC3E}">
+        <p14:creationId xmlns:p14="http://schemas.microsoft.com/office/powerpoint/2010/main" val="1247019354"/>
+      </p:ext>
+    </p:extLst>
+  </p:cSld>
+  <p:clrMapOvr>
+    <a:masterClrMapping/>
+  </p:clrMapOvr>
+</p:sld>
+</file>
+
+<file path=ppt/slides/slide27.xml><?xml version="1.0" encoding="utf-8"?>
+<p:sld xmlns:a="http://schemas.openxmlformats.org/drawingml/2006/main" xmlns:r="http://schemas.openxmlformats.org/officeDocument/2006/relationships" xmlns:p="http://schemas.openxmlformats.org/presentationml/2006/main">
+  <p:cSld>
+    <p:spTree>
+      <p:nvGrpSpPr>
+        <p:cNvPr id="1" name=""/>
+        <p:cNvGrpSpPr/>
+        <p:nvPr/>
+      </p:nvGrpSpPr>
+      <p:grpSpPr>
+        <a:xfrm>
+          <a:off x="0" y="0"/>
+          <a:ext cx="0" cy="0"/>
+          <a:chOff x="0" y="0"/>
+          <a:chExt cx="0" cy="0"/>
+        </a:xfrm>
+      </p:grpSpPr>
+      <p:sp>
+        <p:nvSpPr>
+          <p:cNvPr id="2" name="Title 1">
+            <a:extLst>
+              <a:ext uri="{FF2B5EF4-FFF2-40B4-BE49-F238E27FC236}">
+                <a16:creationId xmlns:a16="http://schemas.microsoft.com/office/drawing/2014/main" id="{CC4A3FAA-0E02-4277-9A18-5E14BC20FA27}"/>
+              </a:ext>
+            </a:extLst>
+          </p:cNvPr>
+          <p:cNvSpPr>
+            <a:spLocks noGrp="1"/>
+          </p:cNvSpPr>
+          <p:nvPr>
+            <p:ph type="title"/>
+          </p:nvPr>
+        </p:nvSpPr>
+        <p:spPr/>
+        <p:txBody>
+          <a:bodyPr/>
+          <a:lstStyle/>
+          <a:p>
+            <a:r>
+              <a:rPr lang="en-US" dirty="0"/>
+              <a:t>Questions</a:t>
+            </a:r>
+          </a:p>
+        </p:txBody>
+      </p:sp>
+      <p:sp>
+        <p:nvSpPr>
+          <p:cNvPr id="3" name="Content Placeholder 2">
+            <a:extLst>
+              <a:ext uri="{FF2B5EF4-FFF2-40B4-BE49-F238E27FC236}">
+                <a16:creationId xmlns:a16="http://schemas.microsoft.com/office/drawing/2014/main" id="{B50147CF-DAA8-4BEB-A969-D6D9FECE042F}"/>
+              </a:ext>
+            </a:extLst>
+          </p:cNvPr>
+          <p:cNvSpPr>
+            <a:spLocks noGrp="1"/>
+          </p:cNvSpPr>
+          <p:nvPr>
+            <p:ph idx="1"/>
+          </p:nvPr>
+        </p:nvSpPr>
+        <p:spPr/>
+        <p:txBody>
+          <a:bodyPr>
+            <a:normAutofit/>
+          </a:bodyPr>
+          <a:lstStyle/>
+          <a:p>
+            <a:pPr marL="0" indent="0">
+              <a:buNone/>
+            </a:pPr>
+            <a:endParaRPr lang="en-US" sz="3000" dirty="0"/>
+          </a:p>
+        </p:txBody>
+      </p:sp>
+      <p:sp>
+        <p:nvSpPr>
+          <p:cNvPr id="5" name="Footer Placeholder 4">
+            <a:extLst>
+              <a:ext uri="{FF2B5EF4-FFF2-40B4-BE49-F238E27FC236}">
+                <a16:creationId xmlns:a16="http://schemas.microsoft.com/office/drawing/2014/main" id="{371C134C-9F7D-4F5D-893E-14C6DB1B17A3}"/>
+              </a:ext>
+            </a:extLst>
+          </p:cNvPr>
+          <p:cNvSpPr>
+            <a:spLocks noGrp="1"/>
+          </p:cNvSpPr>
+          <p:nvPr>
+            <p:ph type="ftr" sz="quarter" idx="11"/>
+          </p:nvPr>
+        </p:nvSpPr>
+        <p:spPr>
+          <a:xfrm>
+            <a:off x="353291" y="6303818"/>
+            <a:ext cx="9081654" cy="374074"/>
+          </a:xfrm>
+        </p:spPr>
+        <p:txBody>
+          <a:bodyPr/>
+          <a:lstStyle/>
+          <a:p>
+            <a:r>
+              <a:rPr lang="en-US" sz="2400" dirty="0">
+                <a:solidFill>
+                  <a:schemeClr val="tx1"/>
+                </a:solidFill>
+              </a:rPr>
+              <a:t>https://github.com/JimWright4089/FIRSTWorkshops</a:t>
+            </a:r>
+          </a:p>
+        </p:txBody>
+      </p:sp>
+      <p:sp>
+        <p:nvSpPr>
+          <p:cNvPr id="4" name="Rectangle 1">
+            <a:extLst>
+              <a:ext uri="{FF2B5EF4-FFF2-40B4-BE49-F238E27FC236}">
+                <a16:creationId xmlns:a16="http://schemas.microsoft.com/office/drawing/2014/main" id="{87129B67-A605-44B6-814D-6176EC8C3D96}"/>
+              </a:ext>
+            </a:extLst>
+          </p:cNvPr>
+          <p:cNvSpPr>
+            <a:spLocks noChangeArrowheads="1"/>
+          </p:cNvSpPr>
+          <p:nvPr/>
+        </p:nvSpPr>
+        <p:spPr bwMode="auto">
+          <a:xfrm>
+            <a:off x="0" y="0"/>
+            <a:ext cx="12192000" cy="457200"/>
+          </a:xfrm>
+          <a:prstGeom prst="rect">
+            <a:avLst/>
+          </a:prstGeom>
+          <a:solidFill>
+            <a:srgbClr val="FFFFFF"/>
+          </a:solidFill>
+          <a:ln>
+            <a:noFill/>
+          </a:ln>
+          <a:effectLst/>
+          <a:extLst>
+            <a:ext uri="{91240B29-F687-4F45-9708-019B960494DF}">
+              <a14:hiddenLine xmlns:a14="http://schemas.microsoft.com/office/drawing/2010/main" w="9525">
+                <a:solidFill>
+                  <a:schemeClr val="tx1"/>
+                </a:solidFill>
+                <a:miter lim="800000"/>
+                <a:headEnd/>
+                <a:tailEnd/>
+              </a14:hiddenLine>
+            </a:ext>
+            <a:ext uri="{AF507438-7753-43E0-B8FC-AC1667EBCBE1}">
+              <a14:hiddenEffects xmlns:a14="http://schemas.microsoft.com/office/drawing/2010/main">
+                <a:effectLst>
+                  <a:outerShdw dist="35921" dir="2700000" algn="ctr" rotWithShape="0">
+                    <a:schemeClr val="bg2"/>
+                  </a:outerShdw>
+                </a:effectLst>
+              </a14:hiddenEffects>
+            </a:ext>
+          </a:extLst>
+        </p:spPr>
+        <p:txBody>
+          <a:bodyPr vert="horz" wrap="none" lIns="91440" tIns="45720" rIns="91440" bIns="45720" numCol="1" anchor="ctr" anchorCtr="0" compatLnSpc="1">
+            <a:prstTxWarp prst="textNoShape">
+              <a:avLst/>
+            </a:prstTxWarp>
+            <a:spAutoFit/>
+          </a:bodyPr>
+          <a:lstStyle/>
+          <a:p>
+            <a:pPr marL="0" marR="0" lvl="0" indent="0" algn="l" defTabSz="914400" rtl="0" eaLnBrk="0" fontAlgn="base" latinLnBrk="0" hangingPunct="0">
+              <a:lnSpc>
+                <a:spcPct val="100000"/>
+              </a:lnSpc>
+              <a:spcBef>
+                <a:spcPct val="0"/>
+              </a:spcBef>
+              <a:spcAft>
+                <a:spcPct val="0"/>
+              </a:spcAft>
+              <a:buClrTx/>
+              <a:buSzTx/>
+              <a:buFontTx/>
+              <a:buNone/>
+              <a:tabLst/>
+            </a:pPr>
+            <a:r>
+              <a:rPr kumimoji="0" lang="en-US" altLang="en-US" sz="1200" b="0" i="0" u="none" strike="noStrike" cap="none" normalizeH="0" baseline="0">
+                <a:ln>
+                  <a:noFill/>
+                </a:ln>
+                <a:solidFill>
+                  <a:srgbClr val="000000"/>
+                </a:solidFill>
+                <a:effectLst/>
+                <a:latin typeface="Source Code Pro" panose="020B0509030403020204" pitchFamily="49" charset="0"/>
+              </a:rPr>
+              <a:t>DrivePathAction</a:t>
+            </a:r>
+            <a:endParaRPr kumimoji="0" lang="en-US" altLang="en-US" sz="1800" b="0" i="0" u="none" strike="noStrike" cap="none" normalizeH="0" baseline="0">
+              <a:ln>
+                <a:noFill/>
+              </a:ln>
+              <a:solidFill>
+                <a:schemeClr val="tx1"/>
+              </a:solidFill>
+              <a:effectLst/>
+              <a:latin typeface="Arial" panose="020B0604020202020204" pitchFamily="34" charset="0"/>
+            </a:endParaRPr>
+          </a:p>
+        </p:txBody>
+      </p:sp>
+    </p:spTree>
+    <p:extLst>
+      <p:ext uri="{BB962C8B-B14F-4D97-AF65-F5344CB8AC3E}">
+        <p14:creationId xmlns:p14="http://schemas.microsoft.com/office/powerpoint/2010/main" val="2282294600"/>
       </p:ext>
     </p:extLst>
   </p:cSld>

--- a/FTC/2018/Advanced FTC Code.pptx
+++ b/FTC/2018/Advanced FTC Code.pptx
@@ -16432,6 +16432,12 @@
               <a:rPr lang="fr-FR" dirty="0"/>
               <a:t> double MAX_JERK   = 100.0;</a:t>
             </a:r>
+          </a:p>
+          <a:p>
+            <a:r>
+              <a:rPr lang="en-US" dirty="0"/>
+              <a:t>const double WHEEL_BASE_WIDTH = 8;</a:t>
+            </a:r>
             <a:endParaRPr lang="en-US" sz="3000" dirty="0"/>
           </a:p>
         </p:txBody>
@@ -16756,7 +16762,7 @@
           <a:p>
             <a:r>
               <a:rPr lang="en-US" sz="3000" dirty="0"/>
-              <a:t>The lines are, left speed, right speed, heading, and other 4 fields that we don’t need to really pay attention to.</a:t>
+              <a:t>The lines are, left speed, right speed, heading, and other the x and y location of the wheels.</a:t>
             </a:r>
           </a:p>
           <a:p>
